--- a/data/res_block.pptx
+++ b/data/res_block.pptx
@@ -259,7 +259,7 @@
           <a:p>
             <a:fld id="{9FB5AAA3-A3BE-4282-9ADF-29A5D17B1B1D}" type="datetimeFigureOut">
               <a:rPr lang="zh-CN" altLang="en-US" smtClean="0"/>
-              <a:t>2024/7/20</a:t>
+              <a:t>2024/7/30</a:t>
             </a:fld>
             <a:endParaRPr lang="zh-CN" altLang="en-US"/>
           </a:p>
@@ -457,7 +457,7 @@
           <a:p>
             <a:fld id="{9FB5AAA3-A3BE-4282-9ADF-29A5D17B1B1D}" type="datetimeFigureOut">
               <a:rPr lang="zh-CN" altLang="en-US" smtClean="0"/>
-              <a:t>2024/7/20</a:t>
+              <a:t>2024/7/30</a:t>
             </a:fld>
             <a:endParaRPr lang="zh-CN" altLang="en-US"/>
           </a:p>
@@ -665,7 +665,7 @@
           <a:p>
             <a:fld id="{9FB5AAA3-A3BE-4282-9ADF-29A5D17B1B1D}" type="datetimeFigureOut">
               <a:rPr lang="zh-CN" altLang="en-US" smtClean="0"/>
-              <a:t>2024/7/20</a:t>
+              <a:t>2024/7/30</a:t>
             </a:fld>
             <a:endParaRPr lang="zh-CN" altLang="en-US"/>
           </a:p>
@@ -863,7 +863,7 @@
           <a:p>
             <a:fld id="{9FB5AAA3-A3BE-4282-9ADF-29A5D17B1B1D}" type="datetimeFigureOut">
               <a:rPr lang="zh-CN" altLang="en-US" smtClean="0"/>
-              <a:t>2024/7/20</a:t>
+              <a:t>2024/7/30</a:t>
             </a:fld>
             <a:endParaRPr lang="zh-CN" altLang="en-US"/>
           </a:p>
@@ -1138,7 +1138,7 @@
           <a:p>
             <a:fld id="{9FB5AAA3-A3BE-4282-9ADF-29A5D17B1B1D}" type="datetimeFigureOut">
               <a:rPr lang="zh-CN" altLang="en-US" smtClean="0"/>
-              <a:t>2024/7/20</a:t>
+              <a:t>2024/7/30</a:t>
             </a:fld>
             <a:endParaRPr lang="zh-CN" altLang="en-US"/>
           </a:p>
@@ -1403,7 +1403,7 @@
           <a:p>
             <a:fld id="{9FB5AAA3-A3BE-4282-9ADF-29A5D17B1B1D}" type="datetimeFigureOut">
               <a:rPr lang="zh-CN" altLang="en-US" smtClean="0"/>
-              <a:t>2024/7/20</a:t>
+              <a:t>2024/7/30</a:t>
             </a:fld>
             <a:endParaRPr lang="zh-CN" altLang="en-US"/>
           </a:p>
@@ -1815,7 +1815,7 @@
           <a:p>
             <a:fld id="{9FB5AAA3-A3BE-4282-9ADF-29A5D17B1B1D}" type="datetimeFigureOut">
               <a:rPr lang="zh-CN" altLang="en-US" smtClean="0"/>
-              <a:t>2024/7/20</a:t>
+              <a:t>2024/7/30</a:t>
             </a:fld>
             <a:endParaRPr lang="zh-CN" altLang="en-US"/>
           </a:p>
@@ -1956,7 +1956,7 @@
           <a:p>
             <a:fld id="{9FB5AAA3-A3BE-4282-9ADF-29A5D17B1B1D}" type="datetimeFigureOut">
               <a:rPr lang="zh-CN" altLang="en-US" smtClean="0"/>
-              <a:t>2024/7/20</a:t>
+              <a:t>2024/7/30</a:t>
             </a:fld>
             <a:endParaRPr lang="zh-CN" altLang="en-US"/>
           </a:p>
@@ -2069,7 +2069,7 @@
           <a:p>
             <a:fld id="{9FB5AAA3-A3BE-4282-9ADF-29A5D17B1B1D}" type="datetimeFigureOut">
               <a:rPr lang="zh-CN" altLang="en-US" smtClean="0"/>
-              <a:t>2024/7/20</a:t>
+              <a:t>2024/7/30</a:t>
             </a:fld>
             <a:endParaRPr lang="zh-CN" altLang="en-US"/>
           </a:p>
@@ -2380,7 +2380,7 @@
           <a:p>
             <a:fld id="{9FB5AAA3-A3BE-4282-9ADF-29A5D17B1B1D}" type="datetimeFigureOut">
               <a:rPr lang="zh-CN" altLang="en-US" smtClean="0"/>
-              <a:t>2024/7/20</a:t>
+              <a:t>2024/7/30</a:t>
             </a:fld>
             <a:endParaRPr lang="zh-CN" altLang="en-US"/>
           </a:p>
@@ -2668,7 +2668,7 @@
           <a:p>
             <a:fld id="{9FB5AAA3-A3BE-4282-9ADF-29A5D17B1B1D}" type="datetimeFigureOut">
               <a:rPr lang="zh-CN" altLang="en-US" smtClean="0"/>
-              <a:t>2024/7/20</a:t>
+              <a:t>2024/7/30</a:t>
             </a:fld>
             <a:endParaRPr lang="zh-CN" altLang="en-US"/>
           </a:p>
@@ -2909,7 +2909,7 @@
           <a:p>
             <a:fld id="{9FB5AAA3-A3BE-4282-9ADF-29A5D17B1B1D}" type="datetimeFigureOut">
               <a:rPr lang="zh-CN" altLang="en-US" smtClean="0"/>
-              <a:t>2024/7/20</a:t>
+              <a:t>2024/7/30</a:t>
             </a:fld>
             <a:endParaRPr lang="zh-CN" altLang="en-US"/>
           </a:p>
@@ -3340,62 +3340,12 @@
         </p:nvGrpSpPr>
         <p:grpSpPr>
           <a:xfrm>
-            <a:off x="2719399" y="14557"/>
-            <a:ext cx="2127917" cy="4806848"/>
-            <a:chOff x="2407596" y="14557"/>
-            <a:chExt cx="2127917" cy="4806848"/>
+            <a:off x="3582069" y="14557"/>
+            <a:ext cx="1265247" cy="4806848"/>
+            <a:chOff x="3270266" y="14557"/>
+            <a:chExt cx="1265247" cy="4806848"/>
           </a:xfrm>
         </p:grpSpPr>
-        <p:sp>
-          <p:nvSpPr>
-            <p:cNvPr id="70" name="矩形 69">
-              <a:extLst>
-                <a:ext uri="{FF2B5EF4-FFF2-40B4-BE49-F238E27FC236}">
-                  <a16:creationId xmlns:a16="http://schemas.microsoft.com/office/drawing/2014/main" id="{5EF99153-FD9C-4F3A-AB61-00F3E4D7BBF5}"/>
-                </a:ext>
-              </a:extLst>
-            </p:cNvPr>
-            <p:cNvSpPr/>
-            <p:nvPr/>
-          </p:nvSpPr>
-          <p:spPr>
-            <a:xfrm>
-              <a:off x="3407759" y="356232"/>
-              <a:ext cx="998650" cy="2623848"/>
-            </a:xfrm>
-            <a:prstGeom prst="rect">
-              <a:avLst/>
-            </a:prstGeom>
-            <a:ln>
-              <a:prstDash val="dash"/>
-            </a:ln>
-          </p:spPr>
-          <p:style>
-            <a:lnRef idx="2">
-              <a:schemeClr val="dk1"/>
-            </a:lnRef>
-            <a:fillRef idx="1">
-              <a:schemeClr val="lt1"/>
-            </a:fillRef>
-            <a:effectRef idx="0">
-              <a:schemeClr val="dk1"/>
-            </a:effectRef>
-            <a:fontRef idx="minor">
-              <a:schemeClr val="dk1"/>
-            </a:fontRef>
-          </p:style>
-          <p:txBody>
-            <a:bodyPr rtlCol="0" anchor="ctr"/>
-            <a:lstStyle/>
-            <a:p>
-              <a:pPr algn="ctr"/>
-              <a:endParaRPr lang="zh-CN" altLang="en-US">
-                <a:latin typeface="Times New Roman" panose="02020603050405020304" pitchFamily="18" charset="0"/>
-                <a:cs typeface="Times New Roman" panose="02020603050405020304" pitchFamily="18" charset="0"/>
-              </a:endParaRPr>
-            </a:p>
-          </p:txBody>
-        </p:sp>
         <p:grpSp>
           <p:nvGrpSpPr>
             <p:cNvPr id="79" name="组合 78">
@@ -3436,6 +3386,12 @@
               <a:prstGeom prst="rect">
                 <a:avLst/>
               </a:prstGeom>
+              <a:solidFill>
+                <a:schemeClr val="accent6">
+                  <a:lumMod val="20000"/>
+                  <a:lumOff val="80000"/>
+                </a:schemeClr>
+              </a:solidFill>
             </p:spPr>
             <p:style>
               <a:lnRef idx="2">
@@ -3490,6 +3446,12 @@
               <a:prstGeom prst="rect">
                 <a:avLst/>
               </a:prstGeom>
+              <a:solidFill>
+                <a:schemeClr val="accent5">
+                  <a:lumMod val="20000"/>
+                  <a:lumOff val="80000"/>
+                </a:schemeClr>
+              </a:solidFill>
             </p:spPr>
             <p:style>
               <a:lnRef idx="2">
@@ -3544,6 +3506,12 @@
               <a:prstGeom prst="rect">
                 <a:avLst/>
               </a:prstGeom>
+              <a:solidFill>
+                <a:schemeClr val="accent4">
+                  <a:lumMod val="20000"/>
+                  <a:lumOff val="80000"/>
+                </a:schemeClr>
+              </a:solidFill>
             </p:spPr>
             <p:style>
               <a:lnRef idx="2">
@@ -3682,6 +3650,12 @@
               <a:prstGeom prst="rect">
                 <a:avLst/>
               </a:prstGeom>
+              <a:solidFill>
+                <a:schemeClr val="accent6">
+                  <a:lumMod val="20000"/>
+                  <a:lumOff val="80000"/>
+                </a:schemeClr>
+              </a:solidFill>
             </p:spPr>
             <p:style>
               <a:lnRef idx="2">
@@ -3736,6 +3710,12 @@
               <a:prstGeom prst="rect">
                 <a:avLst/>
               </a:prstGeom>
+              <a:solidFill>
+                <a:schemeClr val="accent5">
+                  <a:lumMod val="20000"/>
+                  <a:lumOff val="80000"/>
+                </a:schemeClr>
+              </a:solidFill>
             </p:spPr>
             <p:style>
               <a:lnRef idx="2">
@@ -3874,6 +3854,12 @@
               <a:prstGeom prst="ellipse">
                 <a:avLst/>
               </a:prstGeom>
+              <a:solidFill>
+                <a:schemeClr val="accent2">
+                  <a:lumMod val="20000"/>
+                  <a:lumOff val="80000"/>
+                </a:schemeClr>
+              </a:solidFill>
             </p:spPr>
             <p:style>
               <a:lnRef idx="2">
@@ -4011,6 +3997,12 @@
               <a:prstGeom prst="rect">
                 <a:avLst/>
               </a:prstGeom>
+              <a:solidFill>
+                <a:schemeClr val="accent4">
+                  <a:lumMod val="20000"/>
+                  <a:lumOff val="80000"/>
+                </a:schemeClr>
+              </a:solidFill>
             </p:spPr>
             <p:style>
               <a:lnRef idx="2">
@@ -4175,177 +4167,6 @@
           <mc:Choice xmlns:a14="http://schemas.microsoft.com/office/drawing/2010/main" Requires="a14">
             <p:sp>
               <p:nvSpPr>
-                <p:cNvPr id="69" name="文本框 68">
-                  <a:extLst>
-                    <a:ext uri="{FF2B5EF4-FFF2-40B4-BE49-F238E27FC236}">
-                      <a16:creationId xmlns:a16="http://schemas.microsoft.com/office/drawing/2014/main" id="{74F0D19C-2BBC-47E0-B207-5457A59F80F2}"/>
-                    </a:ext>
-                  </a:extLst>
-                </p:cNvPr>
-                <p:cNvSpPr txBox="1"/>
-                <p:nvPr/>
-              </p:nvSpPr>
-              <p:spPr>
-                <a:xfrm>
-                  <a:off x="2407596" y="1531482"/>
-                  <a:ext cx="1108954" cy="378373"/>
-                </a:xfrm>
-                <a:prstGeom prst="rect">
-                  <a:avLst/>
-                </a:prstGeom>
-                <a:noFill/>
-              </p:spPr>
-              <p:txBody>
-                <a:bodyPr wrap="square" rtlCol="0">
-                  <a:spAutoFit/>
-                </a:bodyPr>
-                <a:lstStyle/>
-                <a:p>
-                  <a:pPr/>
-                  <a14:m>
-                    <m:oMathPara xmlns:m="http://schemas.openxmlformats.org/officeDocument/2006/math">
-                      <m:oMathParaPr>
-                        <m:jc m:val="centerGroup"/>
-                      </m:oMathParaPr>
-                      <m:oMath xmlns:m="http://schemas.openxmlformats.org/officeDocument/2006/math">
-                        <m:sSup>
-                          <m:sSupPr>
-                            <m:ctrlPr>
-                              <a:rPr lang="en-US" altLang="zh-CN" i="1">
-                                <a:latin typeface="Cambria Math" panose="02040503050406030204" pitchFamily="18" charset="0"/>
-                                <a:ea typeface="Cambria Math" panose="02040503050406030204" pitchFamily="18" charset="0"/>
-                              </a:rPr>
-                            </m:ctrlPr>
-                          </m:sSupPr>
-                          <m:e>
-                            <m:r>
-                              <a:rPr lang="en-US" altLang="zh-CN" i="1">
-                                <a:latin typeface="Cambria Math" panose="02040503050406030204" pitchFamily="18" charset="0"/>
-                                <a:ea typeface="Cambria Math" panose="02040503050406030204" pitchFamily="18" charset="0"/>
-                              </a:rPr>
-                              <m:t>ℱ</m:t>
-                            </m:r>
-                          </m:e>
-                          <m:sup>
-                            <m:r>
-                              <a:rPr lang="en-US" altLang="zh-CN" i="1">
-                                <a:latin typeface="Cambria Math" panose="02040503050406030204" pitchFamily="18" charset="0"/>
-                                <a:ea typeface="Cambria Math" panose="02040503050406030204" pitchFamily="18" charset="0"/>
-                              </a:rPr>
-                              <m:t>𝑙</m:t>
-                            </m:r>
-                          </m:sup>
-                        </m:sSup>
-                        <m:r>
-                          <a:rPr lang="en-US" altLang="zh-CN" b="0" i="1" smtClean="0">
-                            <a:latin typeface="Cambria Math" panose="02040503050406030204" pitchFamily="18" charset="0"/>
-                            <a:ea typeface="Cambria Math" panose="02040503050406030204" pitchFamily="18" charset="0"/>
-                          </a:rPr>
-                          <m:t>(</m:t>
-                        </m:r>
-                        <m:sSup>
-                          <m:sSupPr>
-                            <m:ctrlPr>
-                              <a:rPr lang="en-US" altLang="zh-CN" i="1">
-                                <a:latin typeface="Cambria Math" panose="02040503050406030204" pitchFamily="18" charset="0"/>
-                              </a:rPr>
-                            </m:ctrlPr>
-                          </m:sSupPr>
-                          <m:e>
-                            <m:r>
-                              <a:rPr lang="en-US" altLang="zh-CN" i="1">
-                                <a:latin typeface="Cambria Math" panose="02040503050406030204" pitchFamily="18" charset="0"/>
-                              </a:rPr>
-                              <m:t>𝑆</m:t>
-                            </m:r>
-                          </m:e>
-                          <m:sup>
-                            <m:r>
-                              <a:rPr lang="en-US" altLang="zh-CN" i="1">
-                                <a:latin typeface="Cambria Math" panose="02040503050406030204" pitchFamily="18" charset="0"/>
-                              </a:rPr>
-                              <m:t>𝑙</m:t>
-                            </m:r>
-                          </m:sup>
-                        </m:sSup>
-                        <m:r>
-                          <a:rPr lang="en-US" altLang="zh-CN" i="1">
-                            <a:latin typeface="Cambria Math" panose="02040503050406030204" pitchFamily="18" charset="0"/>
-                          </a:rPr>
-                          <m:t>[</m:t>
-                        </m:r>
-                        <m:r>
-                          <a:rPr lang="en-US" altLang="zh-CN" i="1">
-                            <a:latin typeface="Cambria Math" panose="02040503050406030204" pitchFamily="18" charset="0"/>
-                          </a:rPr>
-                          <m:t>𝑡</m:t>
-                        </m:r>
-                        <m:r>
-                          <a:rPr lang="en-US" altLang="zh-CN" i="1">
-                            <a:latin typeface="Cambria Math" panose="02040503050406030204" pitchFamily="18" charset="0"/>
-                          </a:rPr>
-                          <m:t>])</m:t>
-                        </m:r>
-                      </m:oMath>
-                    </m:oMathPara>
-                  </a14:m>
-                  <a:endParaRPr lang="zh-CN" altLang="en-US" dirty="0">
-                    <a:latin typeface="Times New Roman" panose="02020603050405020304" pitchFamily="18" charset="0"/>
-                    <a:cs typeface="Times New Roman" panose="02020603050405020304" pitchFamily="18" charset="0"/>
-                  </a:endParaRPr>
-                </a:p>
-              </p:txBody>
-            </p:sp>
-          </mc:Choice>
-          <mc:Fallback>
-            <p:sp>
-              <p:nvSpPr>
-                <p:cNvPr id="69" name="文本框 68">
-                  <a:extLst>
-                    <a:ext uri="{FF2B5EF4-FFF2-40B4-BE49-F238E27FC236}">
-                      <a16:creationId xmlns:a16="http://schemas.microsoft.com/office/drawing/2014/main" id="{74F0D19C-2BBC-47E0-B207-5457A59F80F2}"/>
-                    </a:ext>
-                  </a:extLst>
-                </p:cNvPr>
-                <p:cNvSpPr txBox="1">
-                  <a:spLocks noRot="1" noChangeAspect="1" noMove="1" noResize="1" noEditPoints="1" noAdjustHandles="1" noChangeArrowheads="1" noChangeShapeType="1" noTextEdit="1"/>
-                </p:cNvSpPr>
-                <p:nvPr/>
-              </p:nvSpPr>
-              <p:spPr>
-                <a:xfrm>
-                  <a:off x="2407596" y="1531482"/>
-                  <a:ext cx="1108954" cy="378373"/>
-                </a:xfrm>
-                <a:prstGeom prst="rect">
-                  <a:avLst/>
-                </a:prstGeom>
-                <a:blipFill>
-                  <a:blip r:embed="rId2"/>
-                  <a:stretch>
-                    <a:fillRect r="-549" b="-16129"/>
-                  </a:stretch>
-                </a:blipFill>
-              </p:spPr>
-              <p:txBody>
-                <a:bodyPr/>
-                <a:lstStyle/>
-                <a:p>
-                  <a:r>
-                    <a:rPr lang="zh-CN" altLang="en-US">
-                      <a:noFill/>
-                    </a:rPr>
-                    <a:t> </a:t>
-                  </a:r>
-                </a:p>
-              </p:txBody>
-            </p:sp>
-          </mc:Fallback>
-        </mc:AlternateContent>
-        <mc:AlternateContent xmlns:mc="http://schemas.openxmlformats.org/markup-compatibility/2006">
-          <mc:Choice xmlns:a14="http://schemas.microsoft.com/office/drawing/2010/main" Requires="a14">
-            <p:sp>
-              <p:nvSpPr>
                 <p:cNvPr id="77" name="矩形 76">
                   <a:extLst>
                     <a:ext uri="{FF2B5EF4-FFF2-40B4-BE49-F238E27FC236}">
@@ -4358,8 +4179,8 @@
               </p:nvSpPr>
               <p:spPr>
                 <a:xfrm>
-                  <a:off x="3310906" y="14557"/>
-                  <a:ext cx="712759" cy="374590"/>
+                  <a:off x="3270266" y="14557"/>
+                  <a:ext cx="734432" cy="374590"/>
                 </a:xfrm>
                 <a:prstGeom prst="rect">
                   <a:avLst/>
@@ -4391,7 +4212,7 @@
                               <a:rPr lang="en-US" altLang="zh-CN" b="0" i="1" smtClean="0">
                                 <a:latin typeface="Cambria Math" panose="02040503050406030204" pitchFamily="18" charset="0"/>
                               </a:rPr>
-                              <m:t>𝑆</m:t>
+                              <m:t>𝑋</m:t>
                             </m:r>
                           </m:e>
                           <m:sup>
@@ -4449,14 +4270,14 @@
               </p:nvSpPr>
               <p:spPr>
                 <a:xfrm>
-                  <a:off x="3310906" y="14557"/>
-                  <a:ext cx="712759" cy="374590"/>
+                  <a:off x="3270266" y="14557"/>
+                  <a:ext cx="734432" cy="374590"/>
                 </a:xfrm>
                 <a:prstGeom prst="rect">
                   <a:avLst/>
                 </a:prstGeom>
                 <a:blipFill>
-                  <a:blip r:embed="rId3"/>
+                  <a:blip r:embed="rId2"/>
                   <a:stretch>
                     <a:fillRect b="-16129"/>
                   </a:stretch>
@@ -4477,8 +4298,8 @@
             </p:sp>
           </mc:Fallback>
         </mc:AlternateContent>
-        <mc:AlternateContent xmlns:mc="http://schemas.openxmlformats.org/markup-compatibility/2006">
-          <mc:Choice xmlns:a14="http://schemas.microsoft.com/office/drawing/2010/main" Requires="a14">
+        <mc:AlternateContent xmlns:mc="http://schemas.openxmlformats.org/markup-compatibility/2006" xmlns:a14="http://schemas.microsoft.com/office/drawing/2010/main">
+          <mc:Choice Requires="a14">
             <p:sp>
               <p:nvSpPr>
                 <p:cNvPr id="87" name="文本框 86">
@@ -4527,7 +4348,7 @@
                               <a:rPr lang="en-US" altLang="zh-CN" b="0" i="1" smtClean="0">
                                 <a:latin typeface="Cambria Math" panose="02040503050406030204" pitchFamily="18" charset="0"/>
                               </a:rPr>
-                              <m:t>𝑂</m:t>
+                              <m:t>𝑌</m:t>
                             </m:r>
                           </m:e>
                           <m:sup>
@@ -4568,7 +4389,7 @@
               </p:txBody>
             </p:sp>
           </mc:Choice>
-          <mc:Fallback>
+          <mc:Fallback xmlns="">
             <p:sp>
               <p:nvSpPr>
                 <p:cNvPr id="87" name="文本框 86">
@@ -4592,7 +4413,7 @@
                   <a:avLst/>
                 </a:prstGeom>
                 <a:blipFill>
-                  <a:blip r:embed="rId4"/>
+                  <a:blip r:embed="rId3"/>
                   <a:stretch>
                     <a:fillRect b="-18033"/>
                   </a:stretch>
@@ -4678,62 +4499,12 @@
         </p:nvGrpSpPr>
         <p:grpSpPr>
           <a:xfrm>
-            <a:off x="5707378" y="10927"/>
-            <a:ext cx="2134388" cy="4814581"/>
-            <a:chOff x="4943280" y="10927"/>
-            <a:chExt cx="2134388" cy="4814581"/>
+            <a:off x="6579908" y="10927"/>
+            <a:ext cx="1261858" cy="4814581"/>
+            <a:chOff x="5815810" y="10927"/>
+            <a:chExt cx="1261858" cy="4814581"/>
           </a:xfrm>
         </p:grpSpPr>
-        <p:sp>
-          <p:nvSpPr>
-            <p:cNvPr id="5" name="矩形 4">
-              <a:extLst>
-                <a:ext uri="{FF2B5EF4-FFF2-40B4-BE49-F238E27FC236}">
-                  <a16:creationId xmlns:a16="http://schemas.microsoft.com/office/drawing/2014/main" id="{99D411A2-EAAD-4BB4-88D3-F5EC298AFCE4}"/>
-                </a:ext>
-              </a:extLst>
-            </p:cNvPr>
-            <p:cNvSpPr/>
-            <p:nvPr/>
-          </p:nvSpPr>
-          <p:spPr>
-            <a:xfrm>
-              <a:off x="5946639" y="356681"/>
-              <a:ext cx="998650" cy="2623848"/>
-            </a:xfrm>
-            <a:prstGeom prst="rect">
-              <a:avLst/>
-            </a:prstGeom>
-            <a:ln>
-              <a:prstDash val="dash"/>
-            </a:ln>
-          </p:spPr>
-          <p:style>
-            <a:lnRef idx="2">
-              <a:schemeClr val="dk1"/>
-            </a:lnRef>
-            <a:fillRef idx="1">
-              <a:schemeClr val="lt1"/>
-            </a:fillRef>
-            <a:effectRef idx="0">
-              <a:schemeClr val="dk1"/>
-            </a:effectRef>
-            <a:fontRef idx="minor">
-              <a:schemeClr val="dk1"/>
-            </a:fontRef>
-          </p:style>
-          <p:txBody>
-            <a:bodyPr rtlCol="0" anchor="ctr"/>
-            <a:lstStyle/>
-            <a:p>
-              <a:pPr algn="ctr"/>
-              <a:endParaRPr lang="zh-CN" altLang="en-US">
-                <a:latin typeface="Times New Roman" panose="02020603050405020304" pitchFamily="18" charset="0"/>
-                <a:cs typeface="Times New Roman" panose="02020603050405020304" pitchFamily="18" charset="0"/>
-              </a:endParaRPr>
-            </a:p>
-          </p:txBody>
-        </p:sp>
         <p:grpSp>
           <p:nvGrpSpPr>
             <p:cNvPr id="80" name="组合 79">
@@ -4774,6 +4545,12 @@
               <a:prstGeom prst="rect">
                 <a:avLst/>
               </a:prstGeom>
+              <a:solidFill>
+                <a:schemeClr val="accent6">
+                  <a:lumMod val="20000"/>
+                  <a:lumOff val="80000"/>
+                </a:schemeClr>
+              </a:solidFill>
             </p:spPr>
             <p:style>
               <a:lnRef idx="2">
@@ -4828,6 +4605,12 @@
               <a:prstGeom prst="rect">
                 <a:avLst/>
               </a:prstGeom>
+              <a:solidFill>
+                <a:schemeClr val="accent5">
+                  <a:lumMod val="20000"/>
+                  <a:lumOff val="80000"/>
+                </a:schemeClr>
+              </a:solidFill>
             </p:spPr>
             <p:style>
               <a:lnRef idx="2">
@@ -4882,6 +4665,12 @@
               <a:prstGeom prst="rect">
                 <a:avLst/>
               </a:prstGeom>
+              <a:solidFill>
+                <a:schemeClr val="accent4">
+                  <a:lumMod val="20000"/>
+                  <a:lumOff val="80000"/>
+                </a:schemeClr>
+              </a:solidFill>
             </p:spPr>
             <p:style>
               <a:lnRef idx="2">
@@ -5020,6 +4809,12 @@
               <a:prstGeom prst="rect">
                 <a:avLst/>
               </a:prstGeom>
+              <a:solidFill>
+                <a:schemeClr val="accent6">
+                  <a:lumMod val="20000"/>
+                  <a:lumOff val="80000"/>
+                </a:schemeClr>
+              </a:solidFill>
             </p:spPr>
             <p:style>
               <a:lnRef idx="2">
@@ -5074,6 +4869,12 @@
               <a:prstGeom prst="rect">
                 <a:avLst/>
               </a:prstGeom>
+              <a:solidFill>
+                <a:schemeClr val="accent5">
+                  <a:lumMod val="20000"/>
+                  <a:lumOff val="80000"/>
+                </a:schemeClr>
+              </a:solidFill>
             </p:spPr>
             <p:style>
               <a:lnRef idx="2">
@@ -5253,6 +5054,12 @@
               <a:prstGeom prst="rect">
                 <a:avLst/>
               </a:prstGeom>
+              <a:solidFill>
+                <a:schemeClr val="accent4">
+                  <a:lumMod val="20000"/>
+                  <a:lumOff val="80000"/>
+                </a:schemeClr>
+              </a:solidFill>
             </p:spPr>
             <p:style>
               <a:lnRef idx="2">
@@ -5329,8 +5136,8 @@
               </a:fontRef>
             </p:style>
           </p:cxnSp>
-          <mc:AlternateContent xmlns:mc="http://schemas.openxmlformats.org/markup-compatibility/2006">
-            <mc:Choice xmlns:a14="http://schemas.microsoft.com/office/drawing/2010/main" Requires="a14">
+          <mc:AlternateContent xmlns:mc="http://schemas.openxmlformats.org/markup-compatibility/2006" xmlns:a14="http://schemas.microsoft.com/office/drawing/2010/main">
+            <mc:Choice Requires="a14">
               <p:sp>
                 <p:nvSpPr>
                   <p:cNvPr id="39" name="椭圆 38">
@@ -5351,6 +5158,12 @@
                   <a:prstGeom prst="ellipse">
                     <a:avLst/>
                   </a:prstGeom>
+                  <a:solidFill>
+                    <a:schemeClr val="accent2">
+                      <a:lumMod val="20000"/>
+                      <a:lumOff val="80000"/>
+                    </a:schemeClr>
+                  </a:solidFill>
                 </p:spPr>
                 <p:style>
                   <a:lnRef idx="2">
@@ -5400,7 +5213,7 @@
                 </p:txBody>
               </p:sp>
             </mc:Choice>
-            <mc:Fallback>
+            <mc:Fallback xmlns="">
               <p:sp>
                 <p:nvSpPr>
                   <p:cNvPr id="39" name="椭圆 38">
@@ -5424,7 +5237,7 @@
                     <a:avLst/>
                   </a:prstGeom>
                   <a:blipFill>
-                    <a:blip r:embed="rId5"/>
+                    <a:blip r:embed="rId4"/>
                     <a:stretch>
                       <a:fillRect b="-4167"/>
                     </a:stretch>
@@ -5578,177 +5391,6 @@
           <mc:Choice xmlns:a14="http://schemas.microsoft.com/office/drawing/2010/main" Requires="a14">
             <p:sp>
               <p:nvSpPr>
-                <p:cNvPr id="73" name="文本框 72">
-                  <a:extLst>
-                    <a:ext uri="{FF2B5EF4-FFF2-40B4-BE49-F238E27FC236}">
-                      <a16:creationId xmlns:a16="http://schemas.microsoft.com/office/drawing/2014/main" id="{31FE3C53-B029-46EC-9D28-7986239CB22C}"/>
-                    </a:ext>
-                  </a:extLst>
-                </p:cNvPr>
-                <p:cNvSpPr txBox="1"/>
-                <p:nvPr/>
-              </p:nvSpPr>
-              <p:spPr>
-                <a:xfrm>
-                  <a:off x="4943280" y="1519545"/>
-                  <a:ext cx="1108954" cy="378373"/>
-                </a:xfrm>
-                <a:prstGeom prst="rect">
-                  <a:avLst/>
-                </a:prstGeom>
-                <a:noFill/>
-              </p:spPr>
-              <p:txBody>
-                <a:bodyPr wrap="square" rtlCol="0">
-                  <a:spAutoFit/>
-                </a:bodyPr>
-                <a:lstStyle/>
-                <a:p>
-                  <a:pPr/>
-                  <a14:m>
-                    <m:oMathPara xmlns:m="http://schemas.openxmlformats.org/officeDocument/2006/math">
-                      <m:oMathParaPr>
-                        <m:jc m:val="centerGroup"/>
-                      </m:oMathParaPr>
-                      <m:oMath xmlns:m="http://schemas.openxmlformats.org/officeDocument/2006/math">
-                        <m:sSup>
-                          <m:sSupPr>
-                            <m:ctrlPr>
-                              <a:rPr lang="en-US" altLang="zh-CN" i="1">
-                                <a:latin typeface="Cambria Math" panose="02040503050406030204" pitchFamily="18" charset="0"/>
-                                <a:ea typeface="Cambria Math" panose="02040503050406030204" pitchFamily="18" charset="0"/>
-                              </a:rPr>
-                            </m:ctrlPr>
-                          </m:sSupPr>
-                          <m:e>
-                            <m:r>
-                              <a:rPr lang="en-US" altLang="zh-CN" i="1">
-                                <a:latin typeface="Cambria Math" panose="02040503050406030204" pitchFamily="18" charset="0"/>
-                                <a:ea typeface="Cambria Math" panose="02040503050406030204" pitchFamily="18" charset="0"/>
-                              </a:rPr>
-                              <m:t>ℱ</m:t>
-                            </m:r>
-                          </m:e>
-                          <m:sup>
-                            <m:r>
-                              <a:rPr lang="en-US" altLang="zh-CN" i="1">
-                                <a:latin typeface="Cambria Math" panose="02040503050406030204" pitchFamily="18" charset="0"/>
-                                <a:ea typeface="Cambria Math" panose="02040503050406030204" pitchFamily="18" charset="0"/>
-                              </a:rPr>
-                              <m:t>𝑙</m:t>
-                            </m:r>
-                          </m:sup>
-                        </m:sSup>
-                        <m:r>
-                          <a:rPr lang="en-US" altLang="zh-CN" b="0" i="1" smtClean="0">
-                            <a:latin typeface="Cambria Math" panose="02040503050406030204" pitchFamily="18" charset="0"/>
-                            <a:ea typeface="Cambria Math" panose="02040503050406030204" pitchFamily="18" charset="0"/>
-                          </a:rPr>
-                          <m:t>(</m:t>
-                        </m:r>
-                        <m:sSup>
-                          <m:sSupPr>
-                            <m:ctrlPr>
-                              <a:rPr lang="en-US" altLang="zh-CN" i="1">
-                                <a:latin typeface="Cambria Math" panose="02040503050406030204" pitchFamily="18" charset="0"/>
-                              </a:rPr>
-                            </m:ctrlPr>
-                          </m:sSupPr>
-                          <m:e>
-                            <m:r>
-                              <a:rPr lang="en-US" altLang="zh-CN" i="1">
-                                <a:latin typeface="Cambria Math" panose="02040503050406030204" pitchFamily="18" charset="0"/>
-                              </a:rPr>
-                              <m:t>𝑆</m:t>
-                            </m:r>
-                          </m:e>
-                          <m:sup>
-                            <m:r>
-                              <a:rPr lang="en-US" altLang="zh-CN" i="1">
-                                <a:latin typeface="Cambria Math" panose="02040503050406030204" pitchFamily="18" charset="0"/>
-                              </a:rPr>
-                              <m:t>𝑙</m:t>
-                            </m:r>
-                          </m:sup>
-                        </m:sSup>
-                        <m:r>
-                          <a:rPr lang="en-US" altLang="zh-CN" i="1">
-                            <a:latin typeface="Cambria Math" panose="02040503050406030204" pitchFamily="18" charset="0"/>
-                          </a:rPr>
-                          <m:t>[</m:t>
-                        </m:r>
-                        <m:r>
-                          <a:rPr lang="en-US" altLang="zh-CN" i="1">
-                            <a:latin typeface="Cambria Math" panose="02040503050406030204" pitchFamily="18" charset="0"/>
-                          </a:rPr>
-                          <m:t>𝑡</m:t>
-                        </m:r>
-                        <m:r>
-                          <a:rPr lang="en-US" altLang="zh-CN" i="1">
-                            <a:latin typeface="Cambria Math" panose="02040503050406030204" pitchFamily="18" charset="0"/>
-                          </a:rPr>
-                          <m:t>])</m:t>
-                        </m:r>
-                      </m:oMath>
-                    </m:oMathPara>
-                  </a14:m>
-                  <a:endParaRPr lang="zh-CN" altLang="en-US" dirty="0">
-                    <a:latin typeface="Times New Roman" panose="02020603050405020304" pitchFamily="18" charset="0"/>
-                    <a:cs typeface="Times New Roman" panose="02020603050405020304" pitchFamily="18" charset="0"/>
-                  </a:endParaRPr>
-                </a:p>
-              </p:txBody>
-            </p:sp>
-          </mc:Choice>
-          <mc:Fallback>
-            <p:sp>
-              <p:nvSpPr>
-                <p:cNvPr id="73" name="文本框 72">
-                  <a:extLst>
-                    <a:ext uri="{FF2B5EF4-FFF2-40B4-BE49-F238E27FC236}">
-                      <a16:creationId xmlns:a16="http://schemas.microsoft.com/office/drawing/2014/main" id="{31FE3C53-B029-46EC-9D28-7986239CB22C}"/>
-                    </a:ext>
-                  </a:extLst>
-                </p:cNvPr>
-                <p:cNvSpPr txBox="1">
-                  <a:spLocks noRot="1" noChangeAspect="1" noMove="1" noResize="1" noEditPoints="1" noAdjustHandles="1" noChangeArrowheads="1" noChangeShapeType="1" noTextEdit="1"/>
-                </p:cNvSpPr>
-                <p:nvPr/>
-              </p:nvSpPr>
-              <p:spPr>
-                <a:xfrm>
-                  <a:off x="4943280" y="1519545"/>
-                  <a:ext cx="1108954" cy="378373"/>
-                </a:xfrm>
-                <a:prstGeom prst="rect">
-                  <a:avLst/>
-                </a:prstGeom>
-                <a:blipFill>
-                  <a:blip r:embed="rId6"/>
-                  <a:stretch>
-                    <a:fillRect r="-549" b="-16129"/>
-                  </a:stretch>
-                </a:blipFill>
-              </p:spPr>
-              <p:txBody>
-                <a:bodyPr/>
-                <a:lstStyle/>
-                <a:p>
-                  <a:r>
-                    <a:rPr lang="zh-CN" altLang="en-US">
-                      <a:noFill/>
-                    </a:rPr>
-                    <a:t> </a:t>
-                  </a:r>
-                </a:p>
-              </p:txBody>
-            </p:sp>
-          </mc:Fallback>
-        </mc:AlternateContent>
-        <mc:AlternateContent xmlns:mc="http://schemas.openxmlformats.org/markup-compatibility/2006">
-          <mc:Choice xmlns:a14="http://schemas.microsoft.com/office/drawing/2010/main" Requires="a14">
-            <p:sp>
-              <p:nvSpPr>
                 <p:cNvPr id="83" name="矩形 82">
                   <a:extLst>
                     <a:ext uri="{FF2B5EF4-FFF2-40B4-BE49-F238E27FC236}">
@@ -5761,8 +5403,8 @@
               </p:nvSpPr>
               <p:spPr>
                 <a:xfrm>
-                  <a:off x="5856450" y="10927"/>
-                  <a:ext cx="712759" cy="374590"/>
+                  <a:off x="5815810" y="10927"/>
+                  <a:ext cx="734432" cy="374590"/>
                 </a:xfrm>
                 <a:prstGeom prst="rect">
                   <a:avLst/>
@@ -5784,17 +5426,17 @@
                         <m:sSup>
                           <m:sSupPr>
                             <m:ctrlPr>
-                              <a:rPr lang="en-US" altLang="zh-CN" i="1">
+                              <a:rPr lang="en-US" altLang="zh-CN" i="1" smtClean="0">
                                 <a:latin typeface="Cambria Math" panose="02040503050406030204" pitchFamily="18" charset="0"/>
                               </a:rPr>
                             </m:ctrlPr>
                           </m:sSupPr>
                           <m:e>
                             <m:r>
-                              <a:rPr lang="en-US" altLang="zh-CN" i="1">
+                              <a:rPr lang="en-US" altLang="zh-CN" b="0" i="1" smtClean="0">
                                 <a:latin typeface="Cambria Math" panose="02040503050406030204" pitchFamily="18" charset="0"/>
                               </a:rPr>
-                              <m:t>𝑆</m:t>
+                              <m:t>𝑋</m:t>
                             </m:r>
                           </m:e>
                           <m:sup>
@@ -5852,14 +5494,14 @@
               </p:nvSpPr>
               <p:spPr>
                 <a:xfrm>
-                  <a:off x="5856450" y="10927"/>
-                  <a:ext cx="712759" cy="374590"/>
+                  <a:off x="5815810" y="10927"/>
+                  <a:ext cx="734432" cy="374590"/>
                 </a:xfrm>
                 <a:prstGeom prst="rect">
                   <a:avLst/>
                 </a:prstGeom>
                 <a:blipFill>
-                  <a:blip r:embed="rId7"/>
+                  <a:blip r:embed="rId5"/>
                   <a:stretch>
                     <a:fillRect b="-18033"/>
                   </a:stretch>
@@ -5880,8 +5522,8 @@
             </p:sp>
           </mc:Fallback>
         </mc:AlternateContent>
-        <mc:AlternateContent xmlns:mc="http://schemas.openxmlformats.org/markup-compatibility/2006">
-          <mc:Choice xmlns:a14="http://schemas.microsoft.com/office/drawing/2010/main" Requires="a14">
+        <mc:AlternateContent xmlns:mc="http://schemas.openxmlformats.org/markup-compatibility/2006" xmlns:a14="http://schemas.microsoft.com/office/drawing/2010/main">
+          <mc:Choice Requires="a14">
             <p:sp>
               <p:nvSpPr>
                 <p:cNvPr id="88" name="文本框 87">
@@ -5920,17 +5562,17 @@
                         <m:sSup>
                           <m:sSupPr>
                             <m:ctrlPr>
-                              <a:rPr lang="en-US" altLang="zh-CN" i="1">
+                              <a:rPr lang="en-US" altLang="zh-CN" i="1" smtClean="0">
                                 <a:latin typeface="Cambria Math" panose="02040503050406030204" pitchFamily="18" charset="0"/>
                               </a:rPr>
                             </m:ctrlPr>
                           </m:sSupPr>
                           <m:e>
                             <m:r>
-                              <a:rPr lang="en-US" altLang="zh-CN" i="1">
+                              <a:rPr lang="en-US" altLang="zh-CN" b="0" i="1" smtClean="0">
                                 <a:latin typeface="Cambria Math" panose="02040503050406030204" pitchFamily="18" charset="0"/>
                               </a:rPr>
-                              <m:t>𝑂</m:t>
+                              <m:t>𝑌</m:t>
                             </m:r>
                           </m:e>
                           <m:sup>
@@ -5971,7 +5613,7 @@
               </p:txBody>
             </p:sp>
           </mc:Choice>
-          <mc:Fallback>
+          <mc:Fallback xmlns="">
             <p:sp>
               <p:nvSpPr>
                 <p:cNvPr id="88" name="文本框 87">
@@ -5995,143 +5637,7 @@
                   <a:avLst/>
                 </a:prstGeom>
                 <a:blipFill>
-                  <a:blip r:embed="rId8"/>
-                  <a:stretch>
-                    <a:fillRect b="-16129"/>
-                  </a:stretch>
-                </a:blipFill>
-              </p:spPr>
-              <p:txBody>
-                <a:bodyPr/>
-                <a:lstStyle/>
-                <a:p>
-                  <a:r>
-                    <a:rPr lang="zh-CN" altLang="en-US">
-                      <a:noFill/>
-                    </a:rPr>
-                    <a:t> </a:t>
-                  </a:r>
-                </a:p>
-              </p:txBody>
-            </p:sp>
-          </mc:Fallback>
-        </mc:AlternateContent>
-        <mc:AlternateContent xmlns:mc="http://schemas.openxmlformats.org/markup-compatibility/2006">
-          <mc:Choice xmlns:a14="http://schemas.microsoft.com/office/drawing/2010/main" Requires="a14">
-            <p:sp>
-              <p:nvSpPr>
-                <p:cNvPr id="81" name="文本框 80">
-                  <a:extLst>
-                    <a:ext uri="{FF2B5EF4-FFF2-40B4-BE49-F238E27FC236}">
-                      <a16:creationId xmlns:a16="http://schemas.microsoft.com/office/drawing/2014/main" id="{6CF4077B-EC16-48F2-AEB5-818C4791690F}"/>
-                    </a:ext>
-                  </a:extLst>
-                </p:cNvPr>
-                <p:cNvSpPr txBox="1"/>
-                <p:nvPr/>
-              </p:nvSpPr>
-              <p:spPr>
-                <a:xfrm>
-                  <a:off x="5355788" y="3446235"/>
-                  <a:ext cx="1256479" cy="374590"/>
-                </a:xfrm>
-                <a:prstGeom prst="rect">
-                  <a:avLst/>
-                </a:prstGeom>
-                <a:noFill/>
-              </p:spPr>
-              <p:txBody>
-                <a:bodyPr wrap="square" rtlCol="0">
-                  <a:spAutoFit/>
-                </a:bodyPr>
-                <a:lstStyle/>
-                <a:p>
-                  <a:pPr/>
-                  <a14:m>
-                    <m:oMathPara xmlns:m="http://schemas.openxmlformats.org/officeDocument/2006/math">
-                      <m:oMathParaPr>
-                        <m:jc m:val="centerGroup"/>
-                      </m:oMathParaPr>
-                      <m:oMath xmlns:m="http://schemas.openxmlformats.org/officeDocument/2006/math">
-                        <m:sSup>
-                          <m:sSupPr>
-                            <m:ctrlPr>
-                              <a:rPr lang="en-US" altLang="zh-CN" i="1" smtClean="0">
-                                <a:latin typeface="Cambria Math" panose="02040503050406030204" pitchFamily="18" charset="0"/>
-                              </a:rPr>
-                            </m:ctrlPr>
-                          </m:sSupPr>
-                          <m:e>
-                            <m:r>
-                              <a:rPr lang="en-US" altLang="zh-CN" b="0" i="1" smtClean="0">
-                                <a:latin typeface="Cambria Math" panose="02040503050406030204" pitchFamily="18" charset="0"/>
-                              </a:rPr>
-                              <m:t>𝐴</m:t>
-                            </m:r>
-                          </m:e>
-                          <m:sup>
-                            <m:r>
-                              <a:rPr lang="en-US" altLang="zh-CN" i="1">
-                                <a:latin typeface="Cambria Math" panose="02040503050406030204" pitchFamily="18" charset="0"/>
-                              </a:rPr>
-                              <m:t>𝑙</m:t>
-                            </m:r>
-                          </m:sup>
-                        </m:sSup>
-                        <m:r>
-                          <a:rPr lang="en-US" altLang="zh-CN" i="1">
-                            <a:latin typeface="Cambria Math" panose="02040503050406030204" pitchFamily="18" charset="0"/>
-                          </a:rPr>
-                          <m:t>[</m:t>
-                        </m:r>
-                        <m:r>
-                          <a:rPr lang="en-US" altLang="zh-CN" i="1">
-                            <a:latin typeface="Cambria Math" panose="02040503050406030204" pitchFamily="18" charset="0"/>
-                          </a:rPr>
-                          <m:t>𝑡</m:t>
-                        </m:r>
-                        <m:r>
-                          <a:rPr lang="en-US" altLang="zh-CN" i="1">
-                            <a:latin typeface="Cambria Math" panose="02040503050406030204" pitchFamily="18" charset="0"/>
-                          </a:rPr>
-                          <m:t>]</m:t>
-                        </m:r>
-                      </m:oMath>
-                    </m:oMathPara>
-                  </a14:m>
-                  <a:endParaRPr lang="zh-CN" altLang="en-US" dirty="0">
-                    <a:latin typeface="Times New Roman" panose="02020603050405020304" pitchFamily="18" charset="0"/>
-                    <a:cs typeface="Times New Roman" panose="02020603050405020304" pitchFamily="18" charset="0"/>
-                  </a:endParaRPr>
-                </a:p>
-              </p:txBody>
-            </p:sp>
-          </mc:Choice>
-          <mc:Fallback>
-            <p:sp>
-              <p:nvSpPr>
-                <p:cNvPr id="81" name="文本框 80">
-                  <a:extLst>
-                    <a:ext uri="{FF2B5EF4-FFF2-40B4-BE49-F238E27FC236}">
-                      <a16:creationId xmlns:a16="http://schemas.microsoft.com/office/drawing/2014/main" id="{6CF4077B-EC16-48F2-AEB5-818C4791690F}"/>
-                    </a:ext>
-                  </a:extLst>
-                </p:cNvPr>
-                <p:cNvSpPr txBox="1">
-                  <a:spLocks noRot="1" noChangeAspect="1" noMove="1" noResize="1" noEditPoints="1" noAdjustHandles="1" noChangeArrowheads="1" noChangeShapeType="1" noTextEdit="1"/>
-                </p:cNvSpPr>
-                <p:nvPr/>
-              </p:nvSpPr>
-              <p:spPr>
-                <a:xfrm>
-                  <a:off x="5355788" y="3446235"/>
-                  <a:ext cx="1256479" cy="374590"/>
-                </a:xfrm>
-                <a:prstGeom prst="rect">
-                  <a:avLst/>
-                </a:prstGeom>
-                <a:blipFill>
-                  <a:blip r:embed="rId9"/>
+                  <a:blip r:embed="rId6"/>
                   <a:stretch>
                     <a:fillRect b="-16129"/>
                   </a:stretch>
@@ -6220,62 +5726,12 @@
         </p:nvGrpSpPr>
         <p:grpSpPr>
           <a:xfrm>
-            <a:off x="-161582" y="14557"/>
-            <a:ext cx="2020918" cy="4806848"/>
-            <a:chOff x="72958" y="14557"/>
-            <a:chExt cx="2020918" cy="4806848"/>
+            <a:off x="602857" y="14557"/>
+            <a:ext cx="1256479" cy="4806848"/>
+            <a:chOff x="837397" y="14557"/>
+            <a:chExt cx="1256479" cy="4806848"/>
           </a:xfrm>
         </p:grpSpPr>
-        <p:sp>
-          <p:nvSpPr>
-            <p:cNvPr id="75" name="矩形 74">
-              <a:extLst>
-                <a:ext uri="{FF2B5EF4-FFF2-40B4-BE49-F238E27FC236}">
-                  <a16:creationId xmlns:a16="http://schemas.microsoft.com/office/drawing/2014/main" id="{4D78B0C6-B50D-4C5E-BDA3-B016B22F42CE}"/>
-                </a:ext>
-              </a:extLst>
-            </p:cNvPr>
-            <p:cNvSpPr/>
-            <p:nvPr/>
-          </p:nvSpPr>
-          <p:spPr>
-            <a:xfrm>
-              <a:off x="966026" y="356232"/>
-              <a:ext cx="998650" cy="2623848"/>
-            </a:xfrm>
-            <a:prstGeom prst="rect">
-              <a:avLst/>
-            </a:prstGeom>
-            <a:ln>
-              <a:prstDash val="dash"/>
-            </a:ln>
-          </p:spPr>
-          <p:style>
-            <a:lnRef idx="2">
-              <a:schemeClr val="dk1"/>
-            </a:lnRef>
-            <a:fillRef idx="1">
-              <a:schemeClr val="lt1"/>
-            </a:fillRef>
-            <a:effectRef idx="0">
-              <a:schemeClr val="dk1"/>
-            </a:effectRef>
-            <a:fontRef idx="minor">
-              <a:schemeClr val="dk1"/>
-            </a:fontRef>
-          </p:style>
-          <p:txBody>
-            <a:bodyPr rtlCol="0" anchor="ctr"/>
-            <a:lstStyle/>
-            <a:p>
-              <a:pPr algn="ctr"/>
-              <a:endParaRPr lang="zh-CN" altLang="en-US">
-                <a:latin typeface="Times New Roman" panose="02020603050405020304" pitchFamily="18" charset="0"/>
-                <a:cs typeface="Times New Roman" panose="02020603050405020304" pitchFamily="18" charset="0"/>
-              </a:endParaRPr>
-            </a:p>
-          </p:txBody>
-        </p:sp>
         <p:grpSp>
           <p:nvGrpSpPr>
             <p:cNvPr id="78" name="组合 77">
@@ -6316,6 +5772,12 @@
               <a:prstGeom prst="rect">
                 <a:avLst/>
               </a:prstGeom>
+              <a:solidFill>
+                <a:schemeClr val="accent6">
+                  <a:lumMod val="20000"/>
+                  <a:lumOff val="80000"/>
+                </a:schemeClr>
+              </a:solidFill>
             </p:spPr>
             <p:style>
               <a:lnRef idx="2">
@@ -6370,6 +5832,12 @@
               <a:prstGeom prst="rect">
                 <a:avLst/>
               </a:prstGeom>
+              <a:solidFill>
+                <a:schemeClr val="accent5">
+                  <a:lumMod val="20000"/>
+                  <a:lumOff val="80000"/>
+                </a:schemeClr>
+              </a:solidFill>
             </p:spPr>
             <p:style>
               <a:lnRef idx="2">
@@ -6424,6 +5892,12 @@
               <a:prstGeom prst="rect">
                 <a:avLst/>
               </a:prstGeom>
+              <a:solidFill>
+                <a:schemeClr val="accent4">
+                  <a:lumMod val="20000"/>
+                  <a:lumOff val="80000"/>
+                </a:schemeClr>
+              </a:solidFill>
             </p:spPr>
             <p:style>
               <a:lnRef idx="2">
@@ -6562,6 +6036,12 @@
               <a:prstGeom prst="rect">
                 <a:avLst/>
               </a:prstGeom>
+              <a:solidFill>
+                <a:schemeClr val="accent6">
+                  <a:lumMod val="20000"/>
+                  <a:lumOff val="80000"/>
+                </a:schemeClr>
+              </a:solidFill>
             </p:spPr>
             <p:style>
               <a:lnRef idx="2">
@@ -6616,6 +6096,12 @@
               <a:prstGeom prst="rect">
                 <a:avLst/>
               </a:prstGeom>
+              <a:solidFill>
+                <a:schemeClr val="accent5">
+                  <a:lumMod val="20000"/>
+                  <a:lumOff val="80000"/>
+                </a:schemeClr>
+              </a:solidFill>
             </p:spPr>
             <p:style>
               <a:lnRef idx="2">
@@ -6754,6 +6240,12 @@
               <a:prstGeom prst="ellipse">
                 <a:avLst/>
               </a:prstGeom>
+              <a:solidFill>
+                <a:schemeClr val="accent2">
+                  <a:lumMod val="20000"/>
+                  <a:lumOff val="80000"/>
+                </a:schemeClr>
+              </a:solidFill>
             </p:spPr>
             <p:style>
               <a:lnRef idx="2">
@@ -6891,6 +6383,12 @@
               <a:prstGeom prst="rect">
                 <a:avLst/>
               </a:prstGeom>
+              <a:solidFill>
+                <a:schemeClr val="accent4">
+                  <a:lumMod val="20000"/>
+                  <a:lumOff val="80000"/>
+                </a:schemeClr>
+              </a:solidFill>
             </p:spPr>
             <p:style>
               <a:lnRef idx="2">
@@ -7051,171 +6549,8 @@
             </p:style>
           </p:cxnSp>
         </p:grpSp>
-        <mc:AlternateContent xmlns:mc="http://schemas.openxmlformats.org/markup-compatibility/2006">
-          <mc:Choice xmlns:a14="http://schemas.microsoft.com/office/drawing/2010/main" Requires="a14">
-            <p:sp>
-              <p:nvSpPr>
-                <p:cNvPr id="7" name="文本框 6">
-                  <a:extLst>
-                    <a:ext uri="{FF2B5EF4-FFF2-40B4-BE49-F238E27FC236}">
-                      <a16:creationId xmlns:a16="http://schemas.microsoft.com/office/drawing/2014/main" id="{4BBC5926-D4B3-4630-A9BF-F7995E9CD4EC}"/>
-                    </a:ext>
-                  </a:extLst>
-                </p:cNvPr>
-                <p:cNvSpPr txBox="1"/>
-                <p:nvPr/>
-              </p:nvSpPr>
-              <p:spPr>
-                <a:xfrm>
-                  <a:off x="72958" y="1532695"/>
-                  <a:ext cx="1108954" cy="374270"/>
-                </a:xfrm>
-                <a:prstGeom prst="rect">
-                  <a:avLst/>
-                </a:prstGeom>
-                <a:noFill/>
-              </p:spPr>
-              <p:txBody>
-                <a:bodyPr wrap="square" rtlCol="0">
-                  <a:spAutoFit/>
-                </a:bodyPr>
-                <a:lstStyle/>
-                <a:p>
-                  <a:pPr/>
-                  <a14:m>
-                    <m:oMathPara xmlns:m="http://schemas.openxmlformats.org/officeDocument/2006/math">
-                      <m:oMathParaPr>
-                        <m:jc m:val="centerGroup"/>
-                      </m:oMathParaPr>
-                      <m:oMath xmlns:m="http://schemas.openxmlformats.org/officeDocument/2006/math">
-                        <m:sSup>
-                          <m:sSupPr>
-                            <m:ctrlPr>
-                              <a:rPr lang="en-US" altLang="zh-CN" b="0" i="1" smtClean="0">
-                                <a:latin typeface="Cambria Math" panose="02040503050406030204" pitchFamily="18" charset="0"/>
-                                <a:ea typeface="Cambria Math" panose="02040503050406030204" pitchFamily="18" charset="0"/>
-                              </a:rPr>
-                            </m:ctrlPr>
-                          </m:sSupPr>
-                          <m:e>
-                            <m:r>
-                              <a:rPr lang="en-US" altLang="zh-CN" i="1" smtClean="0">
-                                <a:latin typeface="Cambria Math" panose="02040503050406030204" pitchFamily="18" charset="0"/>
-                                <a:ea typeface="Cambria Math" panose="02040503050406030204" pitchFamily="18" charset="0"/>
-                              </a:rPr>
-                              <m:t>ℱ</m:t>
-                            </m:r>
-                          </m:e>
-                          <m:sup>
-                            <m:r>
-                              <a:rPr lang="en-US" altLang="zh-CN" b="0" i="1" smtClean="0">
-                                <a:latin typeface="Cambria Math" panose="02040503050406030204" pitchFamily="18" charset="0"/>
-                                <a:ea typeface="Cambria Math" panose="02040503050406030204" pitchFamily="18" charset="0"/>
-                              </a:rPr>
-                              <m:t>𝑙</m:t>
-                            </m:r>
-                          </m:sup>
-                        </m:sSup>
-                        <m:r>
-                          <a:rPr lang="en-US" altLang="zh-CN" b="0" i="1" smtClean="0">
-                            <a:latin typeface="Cambria Math" panose="02040503050406030204" pitchFamily="18" charset="0"/>
-                            <a:ea typeface="Cambria Math" panose="02040503050406030204" pitchFamily="18" charset="0"/>
-                          </a:rPr>
-                          <m:t>(</m:t>
-                        </m:r>
-                        <m:sSup>
-                          <m:sSupPr>
-                            <m:ctrlPr>
-                              <a:rPr lang="en-US" altLang="zh-CN" i="1">
-                                <a:latin typeface="Cambria Math" panose="02040503050406030204" pitchFamily="18" charset="0"/>
-                                <a:ea typeface="Cambria Math" panose="02040503050406030204" pitchFamily="18" charset="0"/>
-                              </a:rPr>
-                            </m:ctrlPr>
-                          </m:sSupPr>
-                          <m:e>
-                            <m:r>
-                              <a:rPr lang="en-US" altLang="zh-CN" i="1">
-                                <a:latin typeface="Cambria Math" panose="02040503050406030204" pitchFamily="18" charset="0"/>
-                                <a:ea typeface="Cambria Math" panose="02040503050406030204" pitchFamily="18" charset="0"/>
-                              </a:rPr>
-                              <m:t>𝑋</m:t>
-                            </m:r>
-                          </m:e>
-                          <m:sup>
-                            <m:r>
-                              <a:rPr lang="en-US" altLang="zh-CN" i="1">
-                                <a:latin typeface="Cambria Math" panose="02040503050406030204" pitchFamily="18" charset="0"/>
-                                <a:ea typeface="Cambria Math" panose="02040503050406030204" pitchFamily="18" charset="0"/>
-                              </a:rPr>
-                              <m:t>𝑙</m:t>
-                            </m:r>
-                          </m:sup>
-                        </m:sSup>
-                        <m:r>
-                          <a:rPr lang="en-US" altLang="zh-CN" b="0" i="1" smtClean="0">
-                            <a:latin typeface="Cambria Math" panose="02040503050406030204" pitchFamily="18" charset="0"/>
-                            <a:ea typeface="Cambria Math" panose="02040503050406030204" pitchFamily="18" charset="0"/>
-                          </a:rPr>
-                          <m:t>)</m:t>
-                        </m:r>
-                      </m:oMath>
-                    </m:oMathPara>
-                  </a14:m>
-                  <a:endParaRPr lang="zh-CN" altLang="en-US" dirty="0">
-                    <a:latin typeface="Times New Roman" panose="02020603050405020304" pitchFamily="18" charset="0"/>
-                    <a:cs typeface="Times New Roman" panose="02020603050405020304" pitchFamily="18" charset="0"/>
-                  </a:endParaRPr>
-                </a:p>
-              </p:txBody>
-            </p:sp>
-          </mc:Choice>
-          <mc:Fallback>
-            <p:sp>
-              <p:nvSpPr>
-                <p:cNvPr id="7" name="文本框 6">
-                  <a:extLst>
-                    <a:ext uri="{FF2B5EF4-FFF2-40B4-BE49-F238E27FC236}">
-                      <a16:creationId xmlns:a16="http://schemas.microsoft.com/office/drawing/2014/main" id="{4BBC5926-D4B3-4630-A9BF-F7995E9CD4EC}"/>
-                    </a:ext>
-                  </a:extLst>
-                </p:cNvPr>
-                <p:cNvSpPr txBox="1">
-                  <a:spLocks noRot="1" noChangeAspect="1" noMove="1" noResize="1" noEditPoints="1" noAdjustHandles="1" noChangeArrowheads="1" noChangeShapeType="1" noTextEdit="1"/>
-                </p:cNvSpPr>
-                <p:nvPr/>
-              </p:nvSpPr>
-              <p:spPr>
-                <a:xfrm>
-                  <a:off x="72958" y="1532695"/>
-                  <a:ext cx="1108954" cy="374270"/>
-                </a:xfrm>
-                <a:prstGeom prst="rect">
-                  <a:avLst/>
-                </a:prstGeom>
-                <a:blipFill>
-                  <a:blip r:embed="rId10"/>
-                  <a:stretch>
-                    <a:fillRect b="-14516"/>
-                  </a:stretch>
-                </a:blipFill>
-              </p:spPr>
-              <p:txBody>
-                <a:bodyPr/>
-                <a:lstStyle/>
-                <a:p>
-                  <a:r>
-                    <a:rPr lang="zh-CN" altLang="en-US">
-                      <a:noFill/>
-                    </a:rPr>
-                    <a:t> </a:t>
-                  </a:r>
-                </a:p>
-              </p:txBody>
-            </p:sp>
-          </mc:Fallback>
-        </mc:AlternateContent>
-        <mc:AlternateContent xmlns:mc="http://schemas.openxmlformats.org/markup-compatibility/2006">
-          <mc:Choice xmlns:a14="http://schemas.microsoft.com/office/drawing/2010/main" Requires="a14">
+        <mc:AlternateContent xmlns:mc="http://schemas.openxmlformats.org/markup-compatibility/2006" xmlns:a14="http://schemas.microsoft.com/office/drawing/2010/main">
+          <mc:Choice Requires="a14">
             <p:sp>
               <p:nvSpPr>
                 <p:cNvPr id="13" name="矩形 12">
@@ -7289,7 +6624,7 @@
               </p:txBody>
             </p:sp>
           </mc:Choice>
-          <mc:Fallback>
+          <mc:Fallback xmlns="">
             <p:sp>
               <p:nvSpPr>
                 <p:cNvPr id="13" name="矩形 12">
@@ -7334,8 +6669,8 @@
             </p:sp>
           </mc:Fallback>
         </mc:AlternateContent>
-        <mc:AlternateContent xmlns:mc="http://schemas.openxmlformats.org/markup-compatibility/2006">
-          <mc:Choice xmlns:a14="http://schemas.microsoft.com/office/drawing/2010/main" Requires="a14">
+        <mc:AlternateContent xmlns:mc="http://schemas.openxmlformats.org/markup-compatibility/2006" xmlns:a14="http://schemas.microsoft.com/office/drawing/2010/main">
+          <mc:Choice Requires="a14">
             <p:sp>
               <p:nvSpPr>
                 <p:cNvPr id="84" name="文本框 83">
@@ -7407,7 +6742,7 @@
               </p:txBody>
             </p:sp>
           </mc:Choice>
-          <mc:Fallback>
+          <mc:Fallback xmlns="">
             <p:sp>
               <p:nvSpPr>
                 <p:cNvPr id="84" name="文本框 83">
@@ -7517,62 +6852,12 @@
         </p:nvGrpSpPr>
         <p:grpSpPr>
           <a:xfrm>
-            <a:off x="8698553" y="-13070"/>
-            <a:ext cx="2134388" cy="4814581"/>
-            <a:chOff x="4943280" y="10927"/>
-            <a:chExt cx="2134388" cy="4814581"/>
+            <a:off x="9571083" y="-13070"/>
+            <a:ext cx="1261858" cy="4814581"/>
+            <a:chOff x="5815810" y="10927"/>
+            <a:chExt cx="1261858" cy="4814581"/>
           </a:xfrm>
         </p:grpSpPr>
-        <p:sp>
-          <p:nvSpPr>
-            <p:cNvPr id="91" name="矩形 90">
-              <a:extLst>
-                <a:ext uri="{FF2B5EF4-FFF2-40B4-BE49-F238E27FC236}">
-                  <a16:creationId xmlns:a16="http://schemas.microsoft.com/office/drawing/2014/main" id="{B9A0DB41-B5E2-4F71-A4AD-3E9177F5BD13}"/>
-                </a:ext>
-              </a:extLst>
-            </p:cNvPr>
-            <p:cNvSpPr/>
-            <p:nvPr/>
-          </p:nvSpPr>
-          <p:spPr>
-            <a:xfrm>
-              <a:off x="5946639" y="356681"/>
-              <a:ext cx="998650" cy="2623848"/>
-            </a:xfrm>
-            <a:prstGeom prst="rect">
-              <a:avLst/>
-            </a:prstGeom>
-            <a:ln>
-              <a:prstDash val="dash"/>
-            </a:ln>
-          </p:spPr>
-          <p:style>
-            <a:lnRef idx="2">
-              <a:schemeClr val="dk1"/>
-            </a:lnRef>
-            <a:fillRef idx="1">
-              <a:schemeClr val="lt1"/>
-            </a:fillRef>
-            <a:effectRef idx="0">
-              <a:schemeClr val="dk1"/>
-            </a:effectRef>
-            <a:fontRef idx="minor">
-              <a:schemeClr val="dk1"/>
-            </a:fontRef>
-          </p:style>
-          <p:txBody>
-            <a:bodyPr rtlCol="0" anchor="ctr"/>
-            <a:lstStyle/>
-            <a:p>
-              <a:pPr algn="ctr"/>
-              <a:endParaRPr lang="zh-CN" altLang="en-US">
-                <a:latin typeface="Times New Roman" panose="02020603050405020304" pitchFamily="18" charset="0"/>
-                <a:cs typeface="Times New Roman" panose="02020603050405020304" pitchFamily="18" charset="0"/>
-              </a:endParaRPr>
-            </a:p>
-          </p:txBody>
-        </p:sp>
         <p:grpSp>
           <p:nvGrpSpPr>
             <p:cNvPr id="92" name="组合 91">
@@ -7613,6 +6898,12 @@
               <a:prstGeom prst="rect">
                 <a:avLst/>
               </a:prstGeom>
+              <a:solidFill>
+                <a:schemeClr val="accent4">
+                  <a:lumMod val="20000"/>
+                  <a:lumOff val="80000"/>
+                </a:schemeClr>
+              </a:solidFill>
             </p:spPr>
             <p:style>
               <a:lnRef idx="2">
@@ -7667,6 +6958,12 @@
               <a:prstGeom prst="rect">
                 <a:avLst/>
               </a:prstGeom>
+              <a:solidFill>
+                <a:schemeClr val="accent6">
+                  <a:lumMod val="20000"/>
+                  <a:lumOff val="80000"/>
+                </a:schemeClr>
+              </a:solidFill>
             </p:spPr>
             <p:style>
               <a:lnRef idx="2">
@@ -7721,6 +7018,12 @@
               <a:prstGeom prst="rect">
                 <a:avLst/>
               </a:prstGeom>
+              <a:solidFill>
+                <a:schemeClr val="accent5">
+                  <a:lumMod val="20000"/>
+                  <a:lumOff val="80000"/>
+                </a:schemeClr>
+              </a:solidFill>
             </p:spPr>
             <p:style>
               <a:lnRef idx="2">
@@ -7859,6 +7162,12 @@
               <a:prstGeom prst="rect">
                 <a:avLst/>
               </a:prstGeom>
+              <a:solidFill>
+                <a:schemeClr val="accent4">
+                  <a:lumMod val="20000"/>
+                  <a:lumOff val="80000"/>
+                </a:schemeClr>
+              </a:solidFill>
             </p:spPr>
             <p:style>
               <a:lnRef idx="2">
@@ -7913,6 +7222,12 @@
               <a:prstGeom prst="rect">
                 <a:avLst/>
               </a:prstGeom>
+              <a:solidFill>
+                <a:schemeClr val="accent6">
+                  <a:lumMod val="20000"/>
+                  <a:lumOff val="80000"/>
+                </a:schemeClr>
+              </a:solidFill>
             </p:spPr>
             <p:style>
               <a:lnRef idx="2">
@@ -8092,6 +7407,12 @@
               <a:prstGeom prst="rect">
                 <a:avLst/>
               </a:prstGeom>
+              <a:solidFill>
+                <a:schemeClr val="accent5">
+                  <a:lumMod val="20000"/>
+                  <a:lumOff val="80000"/>
+                </a:schemeClr>
+              </a:solidFill>
             </p:spPr>
             <p:style>
               <a:lnRef idx="2">
@@ -8188,6 +7509,12 @@
               <a:prstGeom prst="ellipse">
                 <a:avLst/>
               </a:prstGeom>
+              <a:solidFill>
+                <a:schemeClr val="accent2">
+                  <a:lumMod val="20000"/>
+                  <a:lumOff val="80000"/>
+                </a:schemeClr>
+              </a:solidFill>
             </p:spPr>
             <p:style>
               <a:lnRef idx="2">
@@ -8355,177 +7682,6 @@
           <mc:Choice xmlns:a14="http://schemas.microsoft.com/office/drawing/2010/main" Requires="a14">
             <p:sp>
               <p:nvSpPr>
-                <p:cNvPr id="93" name="文本框 92">
-                  <a:extLst>
-                    <a:ext uri="{FF2B5EF4-FFF2-40B4-BE49-F238E27FC236}">
-                      <a16:creationId xmlns:a16="http://schemas.microsoft.com/office/drawing/2014/main" id="{B6E47895-4B8E-4C12-8466-EADF6FEDC966}"/>
-                    </a:ext>
-                  </a:extLst>
-                </p:cNvPr>
-                <p:cNvSpPr txBox="1"/>
-                <p:nvPr/>
-              </p:nvSpPr>
-              <p:spPr>
-                <a:xfrm>
-                  <a:off x="4943280" y="1519545"/>
-                  <a:ext cx="1108954" cy="374590"/>
-                </a:xfrm>
-                <a:prstGeom prst="rect">
-                  <a:avLst/>
-                </a:prstGeom>
-                <a:noFill/>
-              </p:spPr>
-              <p:txBody>
-                <a:bodyPr wrap="square" rtlCol="0">
-                  <a:spAutoFit/>
-                </a:bodyPr>
-                <a:lstStyle/>
-                <a:p>
-                  <a:pPr/>
-                  <a14:m>
-                    <m:oMathPara xmlns:m="http://schemas.openxmlformats.org/officeDocument/2006/math">
-                      <m:oMathParaPr>
-                        <m:jc m:val="centerGroup"/>
-                      </m:oMathParaPr>
-                      <m:oMath xmlns:m="http://schemas.openxmlformats.org/officeDocument/2006/math">
-                        <m:sSup>
-                          <m:sSupPr>
-                            <m:ctrlPr>
-                              <a:rPr lang="en-US" altLang="zh-CN" i="1" smtClean="0">
-                                <a:latin typeface="Cambria Math" panose="02040503050406030204" pitchFamily="18" charset="0"/>
-                                <a:ea typeface="Cambria Math" panose="02040503050406030204" pitchFamily="18" charset="0"/>
-                              </a:rPr>
-                            </m:ctrlPr>
-                          </m:sSupPr>
-                          <m:e>
-                            <m:r>
-                              <a:rPr lang="en-US" altLang="zh-CN" i="1">
-                                <a:latin typeface="Cambria Math" panose="02040503050406030204" pitchFamily="18" charset="0"/>
-                                <a:ea typeface="Cambria Math" panose="02040503050406030204" pitchFamily="18" charset="0"/>
-                              </a:rPr>
-                              <m:t>ℱ</m:t>
-                            </m:r>
-                          </m:e>
-                          <m:sup>
-                            <m:r>
-                              <a:rPr lang="en-US" altLang="zh-CN" i="1">
-                                <a:latin typeface="Cambria Math" panose="02040503050406030204" pitchFamily="18" charset="0"/>
-                                <a:ea typeface="Cambria Math" panose="02040503050406030204" pitchFamily="18" charset="0"/>
-                              </a:rPr>
-                              <m:t>𝑙</m:t>
-                            </m:r>
-                          </m:sup>
-                        </m:sSup>
-                        <m:r>
-                          <a:rPr lang="en-US" altLang="zh-CN" b="0" i="1" smtClean="0">
-                            <a:latin typeface="Cambria Math" panose="02040503050406030204" pitchFamily="18" charset="0"/>
-                            <a:ea typeface="Cambria Math" panose="02040503050406030204" pitchFamily="18" charset="0"/>
-                          </a:rPr>
-                          <m:t>(</m:t>
-                        </m:r>
-                        <m:sSup>
-                          <m:sSupPr>
-                            <m:ctrlPr>
-                              <a:rPr lang="en-US" altLang="zh-CN" i="1">
-                                <a:latin typeface="Cambria Math" panose="02040503050406030204" pitchFamily="18" charset="0"/>
-                              </a:rPr>
-                            </m:ctrlPr>
-                          </m:sSupPr>
-                          <m:e>
-                            <m:r>
-                              <a:rPr lang="en-US" altLang="zh-CN" b="0" i="1" smtClean="0">
-                                <a:latin typeface="Cambria Math" panose="02040503050406030204" pitchFamily="18" charset="0"/>
-                              </a:rPr>
-                              <m:t>𝑋</m:t>
-                            </m:r>
-                          </m:e>
-                          <m:sup>
-                            <m:r>
-                              <a:rPr lang="en-US" altLang="zh-CN" i="1">
-                                <a:latin typeface="Cambria Math" panose="02040503050406030204" pitchFamily="18" charset="0"/>
-                              </a:rPr>
-                              <m:t>𝑙</m:t>
-                            </m:r>
-                          </m:sup>
-                        </m:sSup>
-                        <m:r>
-                          <a:rPr lang="en-US" altLang="zh-CN" i="1">
-                            <a:latin typeface="Cambria Math" panose="02040503050406030204" pitchFamily="18" charset="0"/>
-                          </a:rPr>
-                          <m:t>[</m:t>
-                        </m:r>
-                        <m:r>
-                          <a:rPr lang="en-US" altLang="zh-CN" i="1">
-                            <a:latin typeface="Cambria Math" panose="02040503050406030204" pitchFamily="18" charset="0"/>
-                          </a:rPr>
-                          <m:t>𝑡</m:t>
-                        </m:r>
-                        <m:r>
-                          <a:rPr lang="en-US" altLang="zh-CN" i="1">
-                            <a:latin typeface="Cambria Math" panose="02040503050406030204" pitchFamily="18" charset="0"/>
-                          </a:rPr>
-                          <m:t>])</m:t>
-                        </m:r>
-                      </m:oMath>
-                    </m:oMathPara>
-                  </a14:m>
-                  <a:endParaRPr lang="zh-CN" altLang="en-US" dirty="0">
-                    <a:latin typeface="Times New Roman" panose="02020603050405020304" pitchFamily="18" charset="0"/>
-                    <a:cs typeface="Times New Roman" panose="02020603050405020304" pitchFamily="18" charset="0"/>
-                  </a:endParaRPr>
-                </a:p>
-              </p:txBody>
-            </p:sp>
-          </mc:Choice>
-          <mc:Fallback>
-            <p:sp>
-              <p:nvSpPr>
-                <p:cNvPr id="93" name="文本框 92">
-                  <a:extLst>
-                    <a:ext uri="{FF2B5EF4-FFF2-40B4-BE49-F238E27FC236}">
-                      <a16:creationId xmlns:a16="http://schemas.microsoft.com/office/drawing/2014/main" id="{B6E47895-4B8E-4C12-8466-EADF6FEDC966}"/>
-                    </a:ext>
-                  </a:extLst>
-                </p:cNvPr>
-                <p:cNvSpPr txBox="1">
-                  <a:spLocks noRot="1" noChangeAspect="1" noMove="1" noResize="1" noEditPoints="1" noAdjustHandles="1" noChangeArrowheads="1" noChangeShapeType="1" noTextEdit="1"/>
-                </p:cNvSpPr>
-                <p:nvPr/>
-              </p:nvSpPr>
-              <p:spPr>
-                <a:xfrm>
-                  <a:off x="4943280" y="1519545"/>
-                  <a:ext cx="1108954" cy="374590"/>
-                </a:xfrm>
-                <a:prstGeom prst="rect">
-                  <a:avLst/>
-                </a:prstGeom>
-                <a:blipFill>
-                  <a:blip r:embed="rId13"/>
-                  <a:stretch>
-                    <a:fillRect r="-1648" b="-16129"/>
-                  </a:stretch>
-                </a:blipFill>
-              </p:spPr>
-              <p:txBody>
-                <a:bodyPr/>
-                <a:lstStyle/>
-                <a:p>
-                  <a:r>
-                    <a:rPr lang="zh-CN" altLang="en-US">
-                      <a:noFill/>
-                    </a:rPr>
-                    <a:t> </a:t>
-                  </a:r>
-                </a:p>
-              </p:txBody>
-            </p:sp>
-          </mc:Fallback>
-        </mc:AlternateContent>
-        <mc:AlternateContent xmlns:mc="http://schemas.openxmlformats.org/markup-compatibility/2006">
-          <mc:Choice xmlns:a14="http://schemas.microsoft.com/office/drawing/2010/main" Requires="a14">
-            <p:sp>
-              <p:nvSpPr>
                 <p:cNvPr id="94" name="矩形 93">
                   <a:extLst>
                     <a:ext uri="{FF2B5EF4-FFF2-40B4-BE49-F238E27FC236}">
@@ -8538,7 +7694,7 @@
               </p:nvSpPr>
               <p:spPr>
                 <a:xfrm>
-                  <a:off x="5856450" y="10927"/>
+                  <a:off x="5815810" y="10927"/>
                   <a:ext cx="739241" cy="374590"/>
                 </a:xfrm>
                 <a:prstGeom prst="rect">
@@ -8629,14 +7785,14 @@
               </p:nvSpPr>
               <p:spPr>
                 <a:xfrm>
-                  <a:off x="5856450" y="10927"/>
+                  <a:off x="5815810" y="10927"/>
                   <a:ext cx="739241" cy="374590"/>
                 </a:xfrm>
                 <a:prstGeom prst="rect">
                   <a:avLst/>
                 </a:prstGeom>
                 <a:blipFill>
-                  <a:blip r:embed="rId14"/>
+                  <a:blip r:embed="rId13"/>
                   <a:stretch>
                     <a:fillRect b="-18033"/>
                   </a:stretch>
@@ -8657,8 +7813,8 @@
             </p:sp>
           </mc:Fallback>
         </mc:AlternateContent>
-        <mc:AlternateContent xmlns:mc="http://schemas.openxmlformats.org/markup-compatibility/2006">
-          <mc:Choice xmlns:a14="http://schemas.microsoft.com/office/drawing/2010/main" Requires="a14">
+        <mc:AlternateContent xmlns:mc="http://schemas.openxmlformats.org/markup-compatibility/2006" xmlns:a14="http://schemas.microsoft.com/office/drawing/2010/main">
+          <mc:Choice Requires="a14">
             <p:sp>
               <p:nvSpPr>
                 <p:cNvPr id="95" name="文本框 94">
@@ -8697,17 +7853,17 @@
                         <m:sSup>
                           <m:sSupPr>
                             <m:ctrlPr>
-                              <a:rPr lang="en-US" altLang="zh-CN" i="1">
+                              <a:rPr lang="en-US" altLang="zh-CN" i="1" smtClean="0">
                                 <a:latin typeface="Cambria Math" panose="02040503050406030204" pitchFamily="18" charset="0"/>
                               </a:rPr>
                             </m:ctrlPr>
                           </m:sSupPr>
                           <m:e>
                             <m:r>
-                              <a:rPr lang="en-US" altLang="zh-CN" i="1">
+                              <a:rPr lang="en-US" altLang="zh-CN" b="0" i="1" smtClean="0">
                                 <a:latin typeface="Cambria Math" panose="02040503050406030204" pitchFamily="18" charset="0"/>
                               </a:rPr>
-                              <m:t>𝑂</m:t>
+                              <m:t>𝑌</m:t>
                             </m:r>
                           </m:e>
                           <m:sup>
@@ -8748,7 +7904,7 @@
               </p:txBody>
             </p:sp>
           </mc:Choice>
-          <mc:Fallback>
+          <mc:Fallback xmlns="">
             <p:sp>
               <p:nvSpPr>
                 <p:cNvPr id="95" name="文本框 94">
@@ -8773,142 +7929,6 @@
                 </a:prstGeom>
                 <a:blipFill>
                   <a:blip r:embed="rId15"/>
-                  <a:stretch>
-                    <a:fillRect b="-16129"/>
-                  </a:stretch>
-                </a:blipFill>
-              </p:spPr>
-              <p:txBody>
-                <a:bodyPr/>
-                <a:lstStyle/>
-                <a:p>
-                  <a:r>
-                    <a:rPr lang="zh-CN" altLang="en-US">
-                      <a:noFill/>
-                    </a:rPr>
-                    <a:t> </a:t>
-                  </a:r>
-                </a:p>
-              </p:txBody>
-            </p:sp>
-          </mc:Fallback>
-        </mc:AlternateContent>
-        <mc:AlternateContent xmlns:mc="http://schemas.openxmlformats.org/markup-compatibility/2006">
-          <mc:Choice xmlns:a14="http://schemas.microsoft.com/office/drawing/2010/main" Requires="a14">
-            <p:sp>
-              <p:nvSpPr>
-                <p:cNvPr id="96" name="文本框 95">
-                  <a:extLst>
-                    <a:ext uri="{FF2B5EF4-FFF2-40B4-BE49-F238E27FC236}">
-                      <a16:creationId xmlns:a16="http://schemas.microsoft.com/office/drawing/2014/main" id="{5F3CB9C0-66BD-4EB8-B0D9-00B1853EA101}"/>
-                    </a:ext>
-                  </a:extLst>
-                </p:cNvPr>
-                <p:cNvSpPr txBox="1"/>
-                <p:nvPr/>
-              </p:nvSpPr>
-              <p:spPr>
-                <a:xfrm>
-                  <a:off x="5355788" y="3446235"/>
-                  <a:ext cx="1256479" cy="374590"/>
-                </a:xfrm>
-                <a:prstGeom prst="rect">
-                  <a:avLst/>
-                </a:prstGeom>
-                <a:noFill/>
-              </p:spPr>
-              <p:txBody>
-                <a:bodyPr wrap="square" rtlCol="0">
-                  <a:spAutoFit/>
-                </a:bodyPr>
-                <a:lstStyle/>
-                <a:p>
-                  <a:pPr/>
-                  <a14:m>
-                    <m:oMathPara xmlns:m="http://schemas.openxmlformats.org/officeDocument/2006/math">
-                      <m:oMathParaPr>
-                        <m:jc m:val="centerGroup"/>
-                      </m:oMathParaPr>
-                      <m:oMath xmlns:m="http://schemas.openxmlformats.org/officeDocument/2006/math">
-                        <m:sSup>
-                          <m:sSupPr>
-                            <m:ctrlPr>
-                              <a:rPr lang="en-US" altLang="zh-CN" i="1" smtClean="0">
-                                <a:latin typeface="Cambria Math" panose="02040503050406030204" pitchFamily="18" charset="0"/>
-                              </a:rPr>
-                            </m:ctrlPr>
-                          </m:sSupPr>
-                          <m:e>
-                            <m:r>
-                              <a:rPr lang="en-US" altLang="zh-CN" b="0" i="1" smtClean="0">
-                                <a:latin typeface="Cambria Math" panose="02040503050406030204" pitchFamily="18" charset="0"/>
-                              </a:rPr>
-                              <m:t>𝐴</m:t>
-                            </m:r>
-                          </m:e>
-                          <m:sup>
-                            <m:r>
-                              <a:rPr lang="en-US" altLang="zh-CN" i="1">
-                                <a:latin typeface="Cambria Math" panose="02040503050406030204" pitchFamily="18" charset="0"/>
-                              </a:rPr>
-                              <m:t>𝑙</m:t>
-                            </m:r>
-                          </m:sup>
-                        </m:sSup>
-                        <m:r>
-                          <a:rPr lang="en-US" altLang="zh-CN" i="1">
-                            <a:latin typeface="Cambria Math" panose="02040503050406030204" pitchFamily="18" charset="0"/>
-                          </a:rPr>
-                          <m:t>[</m:t>
-                        </m:r>
-                        <m:r>
-                          <a:rPr lang="en-US" altLang="zh-CN" i="1">
-                            <a:latin typeface="Cambria Math" panose="02040503050406030204" pitchFamily="18" charset="0"/>
-                          </a:rPr>
-                          <m:t>𝑡</m:t>
-                        </m:r>
-                        <m:r>
-                          <a:rPr lang="en-US" altLang="zh-CN" i="1">
-                            <a:latin typeface="Cambria Math" panose="02040503050406030204" pitchFamily="18" charset="0"/>
-                          </a:rPr>
-                          <m:t>]</m:t>
-                        </m:r>
-                      </m:oMath>
-                    </m:oMathPara>
-                  </a14:m>
-                  <a:endParaRPr lang="zh-CN" altLang="en-US" dirty="0">
-                    <a:latin typeface="Times New Roman" panose="02020603050405020304" pitchFamily="18" charset="0"/>
-                    <a:cs typeface="Times New Roman" panose="02020603050405020304" pitchFamily="18" charset="0"/>
-                  </a:endParaRPr>
-                </a:p>
-              </p:txBody>
-            </p:sp>
-          </mc:Choice>
-          <mc:Fallback>
-            <p:sp>
-              <p:nvSpPr>
-                <p:cNvPr id="96" name="文本框 95">
-                  <a:extLst>
-                    <a:ext uri="{FF2B5EF4-FFF2-40B4-BE49-F238E27FC236}">
-                      <a16:creationId xmlns:a16="http://schemas.microsoft.com/office/drawing/2014/main" id="{5F3CB9C0-66BD-4EB8-B0D9-00B1853EA101}"/>
-                    </a:ext>
-                  </a:extLst>
-                </p:cNvPr>
-                <p:cNvSpPr txBox="1">
-                  <a:spLocks noRot="1" noChangeAspect="1" noMove="1" noResize="1" noEditPoints="1" noAdjustHandles="1" noChangeArrowheads="1" noChangeShapeType="1" noTextEdit="1"/>
-                </p:cNvSpPr>
-                <p:nvPr/>
-              </p:nvSpPr>
-              <p:spPr>
-                <a:xfrm>
-                  <a:off x="5355788" y="3446235"/>
-                  <a:ext cx="1256479" cy="374590"/>
-                </a:xfrm>
-                <a:prstGeom prst="rect">
-                  <a:avLst/>
-                </a:prstGeom>
-                <a:blipFill>
-                  <a:blip r:embed="rId16"/>
                   <a:stretch>
                     <a:fillRect b="-16129"/>
                   </a:stretch>
